--- a/08_Project_management/WGM Reports/4th_WGM/AO10649_ePO_WGM4_20180223_v1_4.pptx
+++ b/08_Project_management/WGM Reports/4th_WGM/AO10649_ePO_WGM4_20180223_v1_4.pptx
@@ -1,6 +1,6 @@
 
 <file path=ppt/presentation.xml><?xml version="1.0" encoding="utf-8"?>
-<p:presentation xmlns:a="http://schemas.openxmlformats.org/drawingml/2006/main" xmlns:r="http://schemas.openxmlformats.org/officeDocument/2006/relationships" xmlns:p="http://schemas.openxmlformats.org/presentationml/2006/main" saveSubsetFonts="1">
+<p:presentation xmlns:a="http://schemas.openxmlformats.org/drawingml/2006/main" xmlns:r="http://schemas.openxmlformats.org/officeDocument/2006/relationships" xmlns:p="http://schemas.openxmlformats.org/presentationml/2006/main" serverZoom="39675" saveSubsetFonts="1">
   <p:sldMasterIdLst>
     <p:sldMasterId id="2147483660" r:id="rId4"/>
   </p:sldMasterIdLst>
@@ -5607,8 +5607,8 @@
     <dgm:cxn modelId="{FE248DB3-3ED2-4112-B743-733A6F9DD3BB}" type="presOf" srcId="{4395DED2-BA33-429C-AF6F-772BF8954AE8}" destId="{2E1C6D28-3B3C-44A7-811A-E9612ECC0B34}" srcOrd="0" destOrd="0" presId="urn:microsoft.com/office/officeart/2009/layout/CircleArrowProcess"/>
     <dgm:cxn modelId="{533E68F5-A44D-4984-8420-24F8E23A8392}" srcId="{F523159A-FFC1-47CB-93FA-30D397CB792B}" destId="{2908C63A-8ACE-4C8F-A813-8062A66C8546}" srcOrd="1" destOrd="0" parTransId="{3D630C3D-AECA-44CE-ADBE-E81F28CD405C}" sibTransId="{5B969B92-1EBD-4C47-9AEA-71F16FCF7A98}"/>
     <dgm:cxn modelId="{77B94411-81AA-4F6D-B41F-9113733FFB95}" type="presOf" srcId="{2908C63A-8ACE-4C8F-A813-8062A66C8546}" destId="{2C13F144-14B3-466F-B872-1BC888D760B8}" srcOrd="0" destOrd="0" presId="urn:microsoft.com/office/officeart/2009/layout/CircleArrowProcess"/>
+    <dgm:cxn modelId="{5DF56E5B-C132-4BD5-8319-D793A25E0AA0}" type="presOf" srcId="{F523159A-FFC1-47CB-93FA-30D397CB792B}" destId="{CCA0EC2D-6D02-4872-A9A6-71729E960996}" srcOrd="0" destOrd="0" presId="urn:microsoft.com/office/officeart/2009/layout/CircleArrowProcess"/>
     <dgm:cxn modelId="{5EE7BDEC-B1FC-4DAF-894D-1225F4FF6B85}" srcId="{F523159A-FFC1-47CB-93FA-30D397CB792B}" destId="{9AED3AA8-8563-4045-9D63-CD0C1E878C68}" srcOrd="0" destOrd="0" parTransId="{4AAE0547-3710-47AC-8EFA-034D2634A000}" sibTransId="{BAA8F1AC-2195-4430-870A-145B578A352C}"/>
-    <dgm:cxn modelId="{5DF56E5B-C132-4BD5-8319-D793A25E0AA0}" type="presOf" srcId="{F523159A-FFC1-47CB-93FA-30D397CB792B}" destId="{CCA0EC2D-6D02-4872-A9A6-71729E960996}" srcOrd="0" destOrd="0" presId="urn:microsoft.com/office/officeart/2009/layout/CircleArrowProcess"/>
     <dgm:cxn modelId="{1A8DF290-0460-4EA7-830E-6CB558EFC24D}" srcId="{F523159A-FFC1-47CB-93FA-30D397CB792B}" destId="{4395DED2-BA33-429C-AF6F-772BF8954AE8}" srcOrd="2" destOrd="0" parTransId="{391442C3-C579-43D1-B48C-13872748781A}" sibTransId="{5791D6BB-9675-41C8-82AD-CC0A6BE92154}"/>
     <dgm:cxn modelId="{60681821-7623-495F-9781-CFF478167188}" type="presOf" srcId="{9AED3AA8-8563-4045-9D63-CD0C1E878C68}" destId="{BDCAAFA9-517F-4515-A2AD-678464DB8FB6}" srcOrd="0" destOrd="0" presId="urn:microsoft.com/office/officeart/2009/layout/CircleArrowProcess"/>
     <dgm:cxn modelId="{40C49B68-1E35-4F25-8A63-0C9D09947BFB}" type="presParOf" srcId="{CCA0EC2D-6D02-4872-A9A6-71729E960996}" destId="{7EB776A6-7C36-457A-851B-11CB80D5C9F8}" srcOrd="0" destOrd="0" presId="urn:microsoft.com/office/officeart/2009/layout/CircleArrowProcess"/>
@@ -31967,17 +31967,7 @@
                 <a:latin typeface="Arial" panose="020B0604020202020204" pitchFamily="34" charset="0"/>
                 <a:cs typeface="Arial" panose="020B0604020202020204" pitchFamily="34" charset="0"/>
               </a:rPr>
-              <a:t>Conceptual Data Model </a:t>
-            </a:r>
-            <a:r>
-              <a:rPr lang="en-US" sz="1800" dirty="0">
-                <a:solidFill>
-                  <a:srgbClr val="505050"/>
-                </a:solidFill>
-                <a:latin typeface="Arial" panose="020B0604020202020204" pitchFamily="34" charset="0"/>
-                <a:cs typeface="Arial" panose="020B0604020202020204" pitchFamily="34" charset="0"/>
-              </a:rPr>
-              <a:t>(</a:t>
+              <a:t>Conceptual Data Model (</a:t>
             </a:r>
             <a:r>
               <a:rPr lang="en-US" sz="1800" i="1" dirty="0">
@@ -37644,18 +37634,18 @@
 </file>
 
 <file path=customXml/item1.xml><?xml version="1.0" encoding="utf-8"?>
+<p:properties xmlns:p="http://schemas.microsoft.com/office/2006/metadata/properties" xmlns:xsi="http://www.w3.org/2001/XMLSchema-instance" xmlns:pc="http://schemas.microsoft.com/office/infopath/2007/PartnerControls">
+  <documentManagement/>
+</p:properties>
+</file>
+
+<file path=customXml/item2.xml><?xml version="1.0" encoding="utf-8"?>
 <?mso-contentType ?>
 <FormTemplates xmlns="http://schemas.microsoft.com/sharepoint/v3/contenttype/forms">
   <Display>DocumentLibraryForm</Display>
   <Edit>DocumentLibraryForm</Edit>
   <New>DocumentLibraryForm</New>
 </FormTemplates>
-</file>
-
-<file path=customXml/item2.xml><?xml version="1.0" encoding="utf-8"?>
-<p:properties xmlns:p="http://schemas.microsoft.com/office/2006/metadata/properties" xmlns:xsi="http://www.w3.org/2001/XMLSchema-instance" xmlns:pc="http://schemas.microsoft.com/office/infopath/2007/PartnerControls">
-  <documentManagement/>
-</p:properties>
 </file>
 
 <file path=customXml/item3.xml><?xml version="1.0" encoding="utf-8"?>
@@ -37797,14 +37787,6 @@
 </file>
 
 <file path=customXml/itemProps1.xml><?xml version="1.0" encoding="utf-8"?>
-<ds:datastoreItem xmlns:ds="http://schemas.openxmlformats.org/officeDocument/2006/customXml" ds:itemID="{01DCCD54-CEB7-4D93-B603-FE1660D0B3C2}">
-  <ds:schemaRefs>
-    <ds:schemaRef ds:uri="http://schemas.microsoft.com/sharepoint/v3/contenttype/forms"/>
-  </ds:schemaRefs>
-</ds:datastoreItem>
-</file>
-
-<file path=customXml/itemProps2.xml><?xml version="1.0" encoding="utf-8"?>
 <ds:datastoreItem xmlns:ds="http://schemas.openxmlformats.org/officeDocument/2006/customXml" ds:itemID="{2FF93185-A91A-4472-A3F4-1E1B892525F0}">
   <ds:schemaRefs>
     <ds:schemaRef ds:uri="http://purl.org/dc/terms/"/>
@@ -37816,6 +37798,14 @@
     <ds:schemaRef ds:uri="http://schemas.openxmlformats.org/package/2006/metadata/core-properties"/>
     <ds:schemaRef ds:uri="http://www.w3.org/XML/1998/namespace"/>
     <ds:schemaRef ds:uri="http://purl.org/dc/dcmitype/"/>
+  </ds:schemaRefs>
+</ds:datastoreItem>
+</file>
+
+<file path=customXml/itemProps2.xml><?xml version="1.0" encoding="utf-8"?>
+<ds:datastoreItem xmlns:ds="http://schemas.openxmlformats.org/officeDocument/2006/customXml" ds:itemID="{01DCCD54-CEB7-4D93-B603-FE1660D0B3C2}">
+  <ds:schemaRefs>
+    <ds:schemaRef ds:uri="http://schemas.microsoft.com/sharepoint/v3/contenttype/forms"/>
   </ds:schemaRefs>
 </ds:datastoreItem>
 </file>
